--- a/LCC/Python/02關於運算思維.pptx
+++ b/LCC/Python/02關於運算思維.pptx
@@ -2,7 +2,7 @@
 <file path=ppt/presentation.xml><?xml version="1.0" encoding="utf-8"?>
 <p:presentation xmlns:a="http://schemas.openxmlformats.org/drawingml/2006/main" xmlns:r="http://schemas.openxmlformats.org/officeDocument/2006/relationships" xmlns:p="http://schemas.openxmlformats.org/presentationml/2006/main" saveSubsetFonts="1">
   <p:sldMasterIdLst>
-    <p:sldMasterId id="2147483724" r:id="rId1"/>
+    <p:sldMasterId id="2147483741" r:id="rId1"/>
   </p:sldMasterIdLst>
   <p:sldIdLst>
     <p:sldId id="256" r:id="rId2"/>
@@ -153,7 +153,7 @@
       </p:grpSpPr>
       <p:grpSp>
         <p:nvGrpSpPr>
-          <p:cNvPr id="7" name="Group 6"/>
+          <p:cNvPr id="16" name="Group 15"/>
           <p:cNvGrpSpPr/>
           <p:nvPr/>
         </p:nvGrpSpPr>
@@ -165,9 +165,72 @@
             <a:chExt cx="12192000" cy="6866467"/>
           </a:xfrm>
         </p:grpSpPr>
+        <p:sp>
+          <p:nvSpPr>
+            <p:cNvPr id="15" name="Freeform 14"/>
+            <p:cNvSpPr/>
+            <p:nvPr/>
+          </p:nvSpPr>
+          <p:spPr>
+            <a:xfrm>
+              <a:off x="0" y="-7862"/>
+              <a:ext cx="863600" cy="5698067"/>
+            </a:xfrm>
+            <a:custGeom>
+              <a:avLst/>
+              <a:gdLst/>
+              <a:ahLst/>
+              <a:cxnLst/>
+              <a:rect l="l" t="t" r="r" b="b"/>
+              <a:pathLst>
+                <a:path w="863600" h="5698067">
+                  <a:moveTo>
+                    <a:pt x="0" y="8467"/>
+                  </a:moveTo>
+                  <a:lnTo>
+                    <a:pt x="863600" y="0"/>
+                  </a:lnTo>
+                  <a:lnTo>
+                    <a:pt x="863600" y="16934"/>
+                  </a:lnTo>
+                  <a:lnTo>
+                    <a:pt x="0" y="5698067"/>
+                  </a:lnTo>
+                  <a:lnTo>
+                    <a:pt x="0" y="8467"/>
+                  </a:lnTo>
+                  <a:close/>
+                </a:path>
+              </a:pathLst>
+            </a:custGeom>
+            <a:solidFill>
+              <a:schemeClr val="accent1">
+                <a:alpha val="70000"/>
+              </a:schemeClr>
+            </a:solidFill>
+            <a:ln>
+              <a:noFill/>
+            </a:ln>
+            <a:effectLst/>
+          </p:spPr>
+          <p:style>
+            <a:lnRef idx="1">
+              <a:schemeClr val="accent1"/>
+            </a:lnRef>
+            <a:fillRef idx="3">
+              <a:schemeClr val="accent1"/>
+            </a:fillRef>
+            <a:effectRef idx="2">
+              <a:schemeClr val="accent1"/>
+            </a:effectRef>
+            <a:fontRef idx="minor">
+              <a:schemeClr val="lt1"/>
+            </a:fontRef>
+          </p:style>
+        </p:sp>
         <p:cxnSp>
           <p:nvCxnSpPr>
-            <p:cNvPr id="32" name="Straight Connector 31"/>
+            <p:cNvPr id="19" name="Straight Connector 18"/>
             <p:cNvCxnSpPr/>
             <p:nvPr/>
           </p:nvCxnSpPr>
@@ -181,8 +244,8 @@
             </a:prstGeom>
             <a:ln w="9525">
               <a:solidFill>
-                <a:schemeClr val="bg1">
-                  <a:lumMod val="75000"/>
+                <a:schemeClr val="accent1">
+                  <a:alpha val="70000"/>
                 </a:schemeClr>
               </a:solidFill>
             </a:ln>
@@ -204,7 +267,7 @@
         </p:cxnSp>
         <p:cxnSp>
           <p:nvCxnSpPr>
-            <p:cNvPr id="21" name="Straight Connector 20"/>
+            <p:cNvPr id="20" name="Straight Connector 19"/>
             <p:cNvCxnSpPr/>
             <p:nvPr/>
           </p:nvCxnSpPr>
@@ -218,8 +281,8 @@
             </a:prstGeom>
             <a:ln w="9525">
               <a:solidFill>
-                <a:schemeClr val="bg1">
-                  <a:lumMod val="85000"/>
+                <a:schemeClr val="accent1">
+                  <a:alpha val="70000"/>
                 </a:schemeClr>
               </a:solidFill>
             </a:ln>
@@ -241,7 +304,7 @@
         </p:cxnSp>
         <p:sp>
           <p:nvSpPr>
-            <p:cNvPr id="24" name="Rectangle 23"/>
+            <p:cNvPr id="21" name="Rectangle 23"/>
             <p:cNvSpPr/>
             <p:nvPr/>
           </p:nvSpPr>
@@ -279,7 +342,7 @@
             </a:custGeom>
             <a:solidFill>
               <a:schemeClr val="accent1">
-                <a:alpha val="30000"/>
+                <a:alpha val="36000"/>
               </a:schemeClr>
             </a:solidFill>
             <a:ln>
@@ -304,7 +367,7 @@
         </p:sp>
         <p:sp>
           <p:nvSpPr>
-            <p:cNvPr id="26" name="Rectangle 25"/>
+            <p:cNvPr id="22" name="Rectangle 25"/>
             <p:cNvSpPr/>
             <p:nvPr/>
           </p:nvSpPr>
@@ -367,7 +430,7 @@
         </p:sp>
         <p:sp>
           <p:nvSpPr>
-            <p:cNvPr id="27" name="Isosceles Triangle 26"/>
+            <p:cNvPr id="23" name="Isosceles Triangle 22"/>
             <p:cNvSpPr/>
             <p:nvPr/>
           </p:nvSpPr>
@@ -382,8 +445,9 @@
               </a:avLst>
             </a:prstGeom>
             <a:solidFill>
-              <a:schemeClr val="accent2">
-                <a:alpha val="72000"/>
+              <a:schemeClr val="accent1">
+                <a:lumMod val="75000"/>
+                <a:alpha val="66000"/>
               </a:schemeClr>
             </a:solidFill>
             <a:ln>
@@ -408,7 +472,7 @@
         </p:sp>
         <p:sp>
           <p:nvSpPr>
-            <p:cNvPr id="28" name="Rectangle 27"/>
+            <p:cNvPr id="24" name="Rectangle 27"/>
             <p:cNvSpPr/>
             <p:nvPr/>
           </p:nvSpPr>
@@ -445,9 +509,9 @@
               </a:pathLst>
             </a:custGeom>
             <a:solidFill>
-              <a:schemeClr val="accent2">
+              <a:schemeClr val="accent1">
                 <a:lumMod val="75000"/>
-                <a:alpha val="70000"/>
+                <a:alpha val="50000"/>
               </a:schemeClr>
             </a:solidFill>
             <a:ln>
@@ -472,7 +536,7 @@
         </p:sp>
         <p:sp>
           <p:nvSpPr>
-            <p:cNvPr id="29" name="Rectangle 28"/>
+            <p:cNvPr id="25" name="Rectangle 28"/>
             <p:cNvSpPr/>
             <p:nvPr/>
           </p:nvSpPr>
@@ -509,9 +573,7 @@
               </a:pathLst>
             </a:custGeom>
             <a:solidFill>
-              <a:schemeClr val="accent1">
-                <a:lumMod val="60000"/>
-                <a:lumOff val="40000"/>
+              <a:schemeClr val="accent2">
                 <a:alpha val="70000"/>
               </a:schemeClr>
             </a:solidFill>
@@ -537,7 +599,7 @@
         </p:sp>
         <p:sp>
           <p:nvSpPr>
-            <p:cNvPr id="30" name="Rectangle 29"/>
+            <p:cNvPr id="26" name="Rectangle 29"/>
             <p:cNvSpPr/>
             <p:nvPr/>
           </p:nvSpPr>
@@ -574,48 +636,8 @@
               </a:pathLst>
             </a:custGeom>
             <a:solidFill>
-              <a:schemeClr val="accent1">
-                <a:alpha val="65000"/>
-              </a:schemeClr>
-            </a:solidFill>
-            <a:ln>
-              <a:noFill/>
-            </a:ln>
-            <a:effectLst/>
-          </p:spPr>
-          <p:style>
-            <a:lnRef idx="1">
-              <a:schemeClr val="accent1"/>
-            </a:lnRef>
-            <a:fillRef idx="3">
-              <a:schemeClr val="accent1"/>
-            </a:fillRef>
-            <a:effectRef idx="2">
-              <a:schemeClr val="accent1"/>
-            </a:effectRef>
-            <a:fontRef idx="minor">
-              <a:schemeClr val="lt1"/>
-            </a:fontRef>
-          </p:style>
-        </p:sp>
-        <p:sp>
-          <p:nvSpPr>
-            <p:cNvPr id="31" name="Isosceles Triangle 30"/>
-            <p:cNvSpPr/>
-            <p:nvPr/>
-          </p:nvSpPr>
-          <p:spPr>
-            <a:xfrm>
-              <a:off x="10371666" y="3589867"/>
-              <a:ext cx="1817159" cy="3268133"/>
-            </a:xfrm>
-            <a:prstGeom prst="triangle">
-              <a:avLst>
-                <a:gd name="adj" fmla="val 100000"/>
-              </a:avLst>
-            </a:prstGeom>
-            <a:solidFill>
-              <a:schemeClr val="accent1">
+              <a:schemeClr val="accent2">
+                <a:lumMod val="75000"/>
                 <a:alpha val="80000"/>
               </a:schemeClr>
             </a:solidFill>
@@ -641,14 +663,14 @@
         </p:sp>
         <p:sp>
           <p:nvSpPr>
-            <p:cNvPr id="19" name="Isosceles Triangle 18"/>
+            <p:cNvPr id="27" name="Isosceles Triangle 26"/>
             <p:cNvSpPr/>
             <p:nvPr/>
           </p:nvSpPr>
           <p:spPr>
-            <a:xfrm rot="10800000">
-              <a:off x="0" y="0"/>
-              <a:ext cx="842596" cy="5666154"/>
+            <a:xfrm>
+              <a:off x="10371666" y="3589867"/>
+              <a:ext cx="1817159" cy="3268133"/>
             </a:xfrm>
             <a:prstGeom prst="triangle">
               <a:avLst>
@@ -657,7 +679,8 @@
             </a:prstGeom>
             <a:solidFill>
               <a:schemeClr val="accent1">
-                <a:alpha val="85000"/>
+                <a:lumMod val="75000"/>
+                <a:alpha val="66000"/>
               </a:schemeClr>
             </a:solidFill>
             <a:ln>
@@ -703,16 +726,16 @@
           </a:bodyPr>
           <a:lstStyle>
             <a:lvl1pPr algn="r">
-              <a:defRPr sz="5400">
+              <a:defRPr sz="4800">
                 <a:solidFill>
-                  <a:schemeClr val="accent1"/>
+                  <a:srgbClr val="0070C0"/>
                 </a:solidFill>
               </a:defRPr>
             </a:lvl1pPr>
           </a:lstStyle>
           <a:p>
             <a:r>
-              <a:rPr lang="zh-TW" altLang="en-US" smtClean="0"/>
+              <a:rPr lang="zh-TW" altLang="en-US" dirty="0" smtClean="0"/>
               <a:t>按一下以編輯母片標題樣式</a:t>
             </a:r>
             <a:endParaRPr lang="en-US" dirty="0"/>
@@ -856,7 +879,7 @@
           <a:p>
             <a:fld id="{1C04B068-0BC1-4366-925A-40167D424D2E}" type="datetimeFigureOut">
               <a:rPr lang="zh-TW" altLang="en-US" smtClean="0"/>
-              <a:t>2020/12/27</a:t>
+              <a:t>2020/12/28</a:t>
             </a:fld>
             <a:endParaRPr lang="zh-TW" altLang="en-US"/>
           </a:p>
@@ -907,7 +930,7 @@
     </p:spTree>
     <p:extLst>
       <p:ext uri="{BB962C8B-B14F-4D97-AF65-F5344CB8AC3E}">
-        <p14:creationId xmlns:p14="http://schemas.microsoft.com/office/powerpoint/2010/main" val="2722163180"/>
+        <p14:creationId xmlns:p14="http://schemas.microsoft.com/office/powerpoint/2010/main" val="2644313532"/>
       </p:ext>
     </p:extLst>
   </p:cSld>
@@ -1107,7 +1130,7 @@
           <a:p>
             <a:fld id="{1C04B068-0BC1-4366-925A-40167D424D2E}" type="datetimeFigureOut">
               <a:rPr lang="zh-TW" altLang="en-US" smtClean="0"/>
-              <a:t>2020/12/27</a:t>
+              <a:t>2020/12/28</a:t>
             </a:fld>
             <a:endParaRPr lang="zh-TW" altLang="en-US"/>
           </a:p>
@@ -1158,7 +1181,7 @@
     </p:spTree>
     <p:extLst>
       <p:ext uri="{BB962C8B-B14F-4D97-AF65-F5344CB8AC3E}">
-        <p14:creationId xmlns:p14="http://schemas.microsoft.com/office/powerpoint/2010/main" val="576908896"/>
+        <p14:creationId xmlns:p14="http://schemas.microsoft.com/office/powerpoint/2010/main" val="695484461"/>
       </p:ext>
     </p:extLst>
   </p:cSld>
@@ -1421,7 +1444,7 @@
           <a:p>
             <a:fld id="{1C04B068-0BC1-4366-925A-40167D424D2E}" type="datetimeFigureOut">
               <a:rPr lang="zh-TW" altLang="en-US" smtClean="0"/>
-              <a:t>2020/12/27</a:t>
+              <a:t>2020/12/28</a:t>
             </a:fld>
             <a:endParaRPr lang="zh-TW" altLang="en-US"/>
           </a:p>
@@ -1471,7 +1494,7 @@
       </p:sp>
       <p:sp>
         <p:nvSpPr>
-          <p:cNvPr id="20" name="TextBox 19"/>
+          <p:cNvPr id="24" name="TextBox 23"/>
           <p:cNvSpPr txBox="1"/>
           <p:nvPr/>
         </p:nvSpPr>
@@ -1512,7 +1535,7 @@
       </p:sp>
       <p:sp>
         <p:nvSpPr>
-          <p:cNvPr id="22" name="TextBox 21"/>
+          <p:cNvPr id="25" name="TextBox 24"/>
           <p:cNvSpPr txBox="1"/>
           <p:nvPr/>
         </p:nvSpPr>
@@ -1543,26 +1566,18 @@
                     <a:lumOff val="40000"/>
                   </a:schemeClr>
                 </a:solidFill>
+                <a:effectLst/>
                 <a:latin typeface="Arial"/>
               </a:rPr>
               <a:t>”</a:t>
             </a:r>
-            <a:endParaRPr lang="en-US" dirty="0">
-              <a:solidFill>
-                <a:schemeClr val="accent1">
-                  <a:lumMod val="60000"/>
-                  <a:lumOff val="40000"/>
-                </a:schemeClr>
-              </a:solidFill>
-              <a:latin typeface="Arial"/>
-            </a:endParaRPr>
           </a:p>
         </p:txBody>
       </p:sp>
     </p:spTree>
     <p:extLst>
       <p:ext uri="{BB962C8B-B14F-4D97-AF65-F5344CB8AC3E}">
-        <p14:creationId xmlns:p14="http://schemas.microsoft.com/office/powerpoint/2010/main" val="1350071497"/>
+        <p14:creationId xmlns:p14="http://schemas.microsoft.com/office/powerpoint/2010/main" val="1204401158"/>
       </p:ext>
     </p:extLst>
   </p:cSld>
@@ -1762,7 +1777,7 @@
           <a:p>
             <a:fld id="{1C04B068-0BC1-4366-925A-40167D424D2E}" type="datetimeFigureOut">
               <a:rPr lang="zh-TW" altLang="en-US" smtClean="0"/>
-              <a:t>2020/12/27</a:t>
+              <a:t>2020/12/28</a:t>
             </a:fld>
             <a:endParaRPr lang="zh-TW" altLang="en-US"/>
           </a:p>
@@ -1813,7 +1828,7 @@
     </p:spTree>
     <p:extLst>
       <p:ext uri="{BB962C8B-B14F-4D97-AF65-F5344CB8AC3E}">
-        <p14:creationId xmlns:p14="http://schemas.microsoft.com/office/powerpoint/2010/main" val="183398020"/>
+        <p14:creationId xmlns:p14="http://schemas.microsoft.com/office/powerpoint/2010/main" val="3196460109"/>
       </p:ext>
     </p:extLst>
   </p:cSld>
@@ -2076,7 +2091,7 @@
           <a:p>
             <a:fld id="{1C04B068-0BC1-4366-925A-40167D424D2E}" type="datetimeFigureOut">
               <a:rPr lang="zh-TW" altLang="en-US" smtClean="0"/>
-              <a:t>2020/12/27</a:t>
+              <a:t>2020/12/28</a:t>
             </a:fld>
             <a:endParaRPr lang="zh-TW" altLang="en-US"/>
           </a:p>
@@ -2209,7 +2224,7 @@
     </p:spTree>
     <p:extLst>
       <p:ext uri="{BB962C8B-B14F-4D97-AF65-F5344CB8AC3E}">
-        <p14:creationId xmlns:p14="http://schemas.microsoft.com/office/powerpoint/2010/main" val="2307351495"/>
+        <p14:creationId xmlns:p14="http://schemas.microsoft.com/office/powerpoint/2010/main" val="671240948"/>
       </p:ext>
     </p:extLst>
   </p:cSld>
@@ -2469,7 +2484,7 @@
           <a:p>
             <a:fld id="{1C04B068-0BC1-4366-925A-40167D424D2E}" type="datetimeFigureOut">
               <a:rPr lang="zh-TW" altLang="en-US" smtClean="0"/>
-              <a:t>2020/12/27</a:t>
+              <a:t>2020/12/28</a:t>
             </a:fld>
             <a:endParaRPr lang="zh-TW" altLang="en-US"/>
           </a:p>
@@ -2520,7 +2535,7 @@
     </p:spTree>
     <p:extLst>
       <p:ext uri="{BB962C8B-B14F-4D97-AF65-F5344CB8AC3E}">
-        <p14:creationId xmlns:p14="http://schemas.microsoft.com/office/powerpoint/2010/main" val="1316564985"/>
+        <p14:creationId xmlns:p14="http://schemas.microsoft.com/office/powerpoint/2010/main" val="514752202"/>
       </p:ext>
     </p:extLst>
   </p:cSld>
@@ -2639,7 +2654,7 @@
           <a:p>
             <a:fld id="{1C04B068-0BC1-4366-925A-40167D424D2E}" type="datetimeFigureOut">
               <a:rPr lang="zh-TW" altLang="en-US" smtClean="0"/>
-              <a:t>2020/12/27</a:t>
+              <a:t>2020/12/28</a:t>
             </a:fld>
             <a:endParaRPr lang="zh-TW" altLang="en-US"/>
           </a:p>
@@ -2690,7 +2705,7 @@
     </p:spTree>
     <p:extLst>
       <p:ext uri="{BB962C8B-B14F-4D97-AF65-F5344CB8AC3E}">
-        <p14:creationId xmlns:p14="http://schemas.microsoft.com/office/powerpoint/2010/main" val="426528129"/>
+        <p14:creationId xmlns:p14="http://schemas.microsoft.com/office/powerpoint/2010/main" val="1750628616"/>
       </p:ext>
     </p:extLst>
   </p:cSld>
@@ -2819,7 +2834,7 @@
           <a:p>
             <a:fld id="{1C04B068-0BC1-4366-925A-40167D424D2E}" type="datetimeFigureOut">
               <a:rPr lang="zh-TW" altLang="en-US" smtClean="0"/>
-              <a:t>2020/12/27</a:t>
+              <a:t>2020/12/28</a:t>
             </a:fld>
             <a:endParaRPr lang="zh-TW" altLang="en-US"/>
           </a:p>
@@ -2870,7 +2885,7 @@
     </p:spTree>
     <p:extLst>
       <p:ext uri="{BB962C8B-B14F-4D97-AF65-F5344CB8AC3E}">
-        <p14:creationId xmlns:p14="http://schemas.microsoft.com/office/powerpoint/2010/main" val="4194527615"/>
+        <p14:creationId xmlns:p14="http://schemas.microsoft.com/office/powerpoint/2010/main" val="303699773"/>
       </p:ext>
     </p:extLst>
   </p:cSld>
@@ -2909,14 +2924,8 @@
         </p:nvSpPr>
         <p:spPr/>
         <p:txBody>
-          <a:bodyPr>
-            <a:normAutofit/>
-          </a:bodyPr>
-          <a:lstStyle>
-            <a:lvl1pPr>
-              <a:defRPr sz="3600"/>
-            </a:lvl1pPr>
-          </a:lstStyle>
+          <a:bodyPr/>
+          <a:lstStyle/>
           <a:p>
             <a:r>
               <a:rPr lang="zh-TW" altLang="en-US" smtClean="0"/>
@@ -2995,7 +3004,7 @@
           <a:p>
             <a:fld id="{1C04B068-0BC1-4366-925A-40167D424D2E}" type="datetimeFigureOut">
               <a:rPr lang="zh-TW" altLang="en-US" smtClean="0"/>
-              <a:t>2020/12/27</a:t>
+              <a:t>2020/12/28</a:t>
             </a:fld>
             <a:endParaRPr lang="zh-TW" altLang="en-US"/>
           </a:p>
@@ -3046,7 +3055,7 @@
     </p:spTree>
     <p:extLst>
       <p:ext uri="{BB962C8B-B14F-4D97-AF65-F5344CB8AC3E}">
-        <p14:creationId xmlns:p14="http://schemas.microsoft.com/office/powerpoint/2010/main" val="668070675"/>
+        <p14:creationId xmlns:p14="http://schemas.microsoft.com/office/powerpoint/2010/main" val="3000693313"/>
       </p:ext>
     </p:extLst>
   </p:cSld>
@@ -3242,7 +3251,7 @@
           <a:p>
             <a:fld id="{1C04B068-0BC1-4366-925A-40167D424D2E}" type="datetimeFigureOut">
               <a:rPr lang="zh-TW" altLang="en-US" smtClean="0"/>
-              <a:t>2020/12/27</a:t>
+              <a:t>2020/12/28</a:t>
             </a:fld>
             <a:endParaRPr lang="zh-TW" altLang="en-US"/>
           </a:p>
@@ -3293,7 +3302,7 @@
     </p:spTree>
     <p:extLst>
       <p:ext uri="{BB962C8B-B14F-4D97-AF65-F5344CB8AC3E}">
-        <p14:creationId xmlns:p14="http://schemas.microsoft.com/office/powerpoint/2010/main" val="4264330678"/>
+        <p14:creationId xmlns:p14="http://schemas.microsoft.com/office/powerpoint/2010/main" val="214886643"/>
       </p:ext>
     </p:extLst>
   </p:cSld>
@@ -3474,7 +3483,7 @@
           <a:p>
             <a:fld id="{1C04B068-0BC1-4366-925A-40167D424D2E}" type="datetimeFigureOut">
               <a:rPr lang="zh-TW" altLang="en-US" smtClean="0"/>
-              <a:t>2020/12/27</a:t>
+              <a:t>2020/12/28</a:t>
             </a:fld>
             <a:endParaRPr lang="zh-TW" altLang="en-US"/>
           </a:p>
@@ -3525,7 +3534,7 @@
     </p:spTree>
     <p:extLst>
       <p:ext uri="{BB962C8B-B14F-4D97-AF65-F5344CB8AC3E}">
-        <p14:creationId xmlns:p14="http://schemas.microsoft.com/office/powerpoint/2010/main" val="2697616046"/>
+        <p14:creationId xmlns:p14="http://schemas.microsoft.com/office/powerpoint/2010/main" val="3616520803"/>
       </p:ext>
     </p:extLst>
   </p:cSld>
@@ -3848,7 +3857,7 @@
           <a:p>
             <a:fld id="{1C04B068-0BC1-4366-925A-40167D424D2E}" type="datetimeFigureOut">
               <a:rPr lang="zh-TW" altLang="en-US" smtClean="0"/>
-              <a:t>2020/12/27</a:t>
+              <a:t>2020/12/28</a:t>
             </a:fld>
             <a:endParaRPr lang="zh-TW" altLang="en-US"/>
           </a:p>
@@ -3899,7 +3908,7 @@
     </p:spTree>
     <p:extLst>
       <p:ext uri="{BB962C8B-B14F-4D97-AF65-F5344CB8AC3E}">
-        <p14:creationId xmlns:p14="http://schemas.microsoft.com/office/powerpoint/2010/main" val="4168821919"/>
+        <p14:creationId xmlns:p14="http://schemas.microsoft.com/office/powerpoint/2010/main" val="355638639"/>
       </p:ext>
     </p:extLst>
   </p:cSld>
@@ -3971,7 +3980,7 @@
           <a:p>
             <a:fld id="{1C04B068-0BC1-4366-925A-40167D424D2E}" type="datetimeFigureOut">
               <a:rPr lang="zh-TW" altLang="en-US" smtClean="0"/>
-              <a:t>2020/12/27</a:t>
+              <a:t>2020/12/28</a:t>
             </a:fld>
             <a:endParaRPr lang="zh-TW" altLang="en-US"/>
           </a:p>
@@ -4022,7 +4031,7 @@
     </p:spTree>
     <p:extLst>
       <p:ext uri="{BB962C8B-B14F-4D97-AF65-F5344CB8AC3E}">
-        <p14:creationId xmlns:p14="http://schemas.microsoft.com/office/powerpoint/2010/main" val="1630155817"/>
+        <p14:creationId xmlns:p14="http://schemas.microsoft.com/office/powerpoint/2010/main" val="4137784464"/>
       </p:ext>
     </p:extLst>
   </p:cSld>
@@ -4066,7 +4075,7 @@
           <a:p>
             <a:fld id="{1C04B068-0BC1-4366-925A-40167D424D2E}" type="datetimeFigureOut">
               <a:rPr lang="zh-TW" altLang="en-US" smtClean="0"/>
-              <a:t>2020/12/27</a:t>
+              <a:t>2020/12/28</a:t>
             </a:fld>
             <a:endParaRPr lang="zh-TW" altLang="en-US"/>
           </a:p>
@@ -4117,7 +4126,7 @@
     </p:spTree>
     <p:extLst>
       <p:ext uri="{BB962C8B-B14F-4D97-AF65-F5344CB8AC3E}">
-        <p14:creationId xmlns:p14="http://schemas.microsoft.com/office/powerpoint/2010/main" val="400924123"/>
+        <p14:creationId xmlns:p14="http://schemas.microsoft.com/office/powerpoint/2010/main" val="3956632951"/>
       </p:ext>
     </p:extLst>
   </p:cSld>
@@ -4321,7 +4330,7 @@
           <a:p>
             <a:fld id="{1C04B068-0BC1-4366-925A-40167D424D2E}" type="datetimeFigureOut">
               <a:rPr lang="zh-TW" altLang="en-US" smtClean="0"/>
-              <a:t>2020/12/27</a:t>
+              <a:t>2020/12/28</a:t>
             </a:fld>
             <a:endParaRPr lang="zh-TW" altLang="en-US"/>
           </a:p>
@@ -4372,7 +4381,7 @@
     </p:spTree>
     <p:extLst>
       <p:ext uri="{BB962C8B-B14F-4D97-AF65-F5344CB8AC3E}">
-        <p14:creationId xmlns:p14="http://schemas.microsoft.com/office/powerpoint/2010/main" val="1586474121"/>
+        <p14:creationId xmlns:p14="http://schemas.microsoft.com/office/powerpoint/2010/main" val="1561889446"/>
       </p:ext>
     </p:extLst>
   </p:cSld>
@@ -4569,29 +4578,6 @@
       </p:sp>
       <p:sp>
         <p:nvSpPr>
-          <p:cNvPr id="5" name="Date Placeholder 4"/>
-          <p:cNvSpPr>
-            <a:spLocks noGrp="1"/>
-          </p:cNvSpPr>
-          <p:nvPr>
-            <p:ph type="dt" sz="half" idx="10"/>
-          </p:nvPr>
-        </p:nvSpPr>
-        <p:spPr/>
-        <p:txBody>
-          <a:bodyPr/>
-          <a:lstStyle/>
-          <a:p>
-            <a:fld id="{1C04B068-0BC1-4366-925A-40167D424D2E}" type="datetimeFigureOut">
-              <a:rPr lang="zh-TW" altLang="en-US" smtClean="0"/>
-              <a:t>2020/12/27</a:t>
-            </a:fld>
-            <a:endParaRPr lang="zh-TW" altLang="en-US"/>
-          </a:p>
-        </p:txBody>
-      </p:sp>
-      <p:sp>
-        <p:nvSpPr>
           <p:cNvPr id="6" name="Footer Placeholder 5"/>
           <p:cNvSpPr>
             <a:spLocks noGrp="1"/>
@@ -4632,10 +4618,33 @@
           </a:p>
         </p:txBody>
       </p:sp>
+      <p:sp>
+        <p:nvSpPr>
+          <p:cNvPr id="5" name="Date Placeholder 4"/>
+          <p:cNvSpPr>
+            <a:spLocks noGrp="1"/>
+          </p:cNvSpPr>
+          <p:nvPr>
+            <p:ph type="dt" sz="half" idx="10"/>
+          </p:nvPr>
+        </p:nvSpPr>
+        <p:spPr/>
+        <p:txBody>
+          <a:bodyPr/>
+          <a:lstStyle/>
+          <a:p>
+            <a:fld id="{1C04B068-0BC1-4366-925A-40167D424D2E}" type="datetimeFigureOut">
+              <a:rPr lang="zh-TW" altLang="en-US" smtClean="0"/>
+              <a:t>2020/12/28</a:t>
+            </a:fld>
+            <a:endParaRPr lang="zh-TW" altLang="en-US"/>
+          </a:p>
+        </p:txBody>
+      </p:sp>
     </p:spTree>
     <p:extLst>
       <p:ext uri="{BB962C8B-B14F-4D97-AF65-F5344CB8AC3E}">
-        <p14:creationId xmlns:p14="http://schemas.microsoft.com/office/powerpoint/2010/main" val="1272027940"/>
+        <p14:creationId xmlns:p14="http://schemas.microsoft.com/office/powerpoint/2010/main" val="4157773766"/>
       </p:ext>
     </p:extLst>
   </p:cSld>
@@ -4669,7 +4678,7 @@
       </p:grpSpPr>
       <p:grpSp>
         <p:nvGrpSpPr>
-          <p:cNvPr id="7" name="Group 6"/>
+          <p:cNvPr id="44" name="Group 43"/>
           <p:cNvGrpSpPr/>
           <p:nvPr/>
         </p:nvGrpSpPr>
@@ -4697,8 +4706,8 @@
             </a:prstGeom>
             <a:ln w="9525">
               <a:solidFill>
-                <a:schemeClr val="bg1">
-                  <a:lumMod val="75000"/>
+                <a:schemeClr val="accent1">
+                  <a:alpha val="70000"/>
                 </a:schemeClr>
               </a:solidFill>
             </a:ln>
@@ -4734,8 +4743,8 @@
             </a:prstGeom>
             <a:ln w="9525">
               <a:solidFill>
-                <a:schemeClr val="bg1">
-                  <a:lumMod val="85000"/>
+                <a:schemeClr val="accent1">
+                  <a:alpha val="70000"/>
                 </a:schemeClr>
               </a:solidFill>
             </a:ln>
@@ -4795,7 +4804,7 @@
             </a:custGeom>
             <a:solidFill>
               <a:schemeClr val="accent1">
-                <a:alpha val="30000"/>
+                <a:alpha val="36000"/>
               </a:schemeClr>
             </a:solidFill>
             <a:ln>
@@ -4898,8 +4907,9 @@
               </a:avLst>
             </a:prstGeom>
             <a:solidFill>
-              <a:schemeClr val="accent2">
-                <a:alpha val="72000"/>
+              <a:schemeClr val="accent1">
+                <a:lumMod val="75000"/>
+                <a:alpha val="66000"/>
               </a:schemeClr>
             </a:solidFill>
             <a:ln>
@@ -4961,9 +4971,9 @@
               </a:pathLst>
             </a:custGeom>
             <a:solidFill>
-              <a:schemeClr val="accent2">
+              <a:schemeClr val="accent1">
                 <a:lumMod val="75000"/>
-                <a:alpha val="70000"/>
+                <a:alpha val="50000"/>
               </a:schemeClr>
             </a:solidFill>
             <a:ln>
@@ -5025,9 +5035,7 @@
               </a:pathLst>
             </a:custGeom>
             <a:solidFill>
-              <a:schemeClr val="accent1">
-                <a:lumMod val="60000"/>
-                <a:lumOff val="40000"/>
+              <a:schemeClr val="accent2">
                 <a:alpha val="70000"/>
               </a:schemeClr>
             </a:solidFill>
@@ -5090,8 +5098,9 @@
               </a:pathLst>
             </a:custGeom>
             <a:solidFill>
-              <a:schemeClr val="accent1">
-                <a:alpha val="65000"/>
+              <a:schemeClr val="accent2">
+                <a:lumMod val="75000"/>
+                <a:alpha val="80000"/>
               </a:schemeClr>
             </a:solidFill>
             <a:ln>
@@ -5132,7 +5141,8 @@
             </a:prstGeom>
             <a:solidFill>
               <a:schemeClr val="accent1">
-                <a:alpha val="80000"/>
+                <a:lumMod val="75000"/>
+                <a:alpha val="66000"/>
               </a:schemeClr>
             </a:solidFill>
             <a:ln>
@@ -5157,7 +5167,7 @@
         </p:sp>
         <p:sp>
           <p:nvSpPr>
-            <p:cNvPr id="29" name="Isosceles Triangle 28"/>
+            <p:cNvPr id="19" name="Isosceles Triangle 18"/>
             <p:cNvSpPr/>
             <p:nvPr/>
           </p:nvSpPr>
@@ -5173,7 +5183,7 @@
             </a:prstGeom>
             <a:solidFill>
               <a:schemeClr val="accent1">
-                <a:alpha val="85000"/>
+                <a:alpha val="70000"/>
               </a:schemeClr>
             </a:solidFill>
             <a:ln>
@@ -5223,7 +5233,7 @@
           <a:lstStyle/>
           <a:p>
             <a:r>
-              <a:rPr lang="zh-TW" altLang="en-US" smtClean="0"/>
+              <a:rPr lang="zh-TW" altLang="en-US" dirty="0" smtClean="0"/>
               <a:t>按一下以編輯母片標題樣式</a:t>
             </a:r>
             <a:endParaRPr lang="en-US" dirty="0"/>
@@ -5327,7 +5337,7 @@
           <a:p>
             <a:fld id="{1C04B068-0BC1-4366-925A-40167D424D2E}" type="datetimeFigureOut">
               <a:rPr lang="zh-TW" altLang="en-US" smtClean="0"/>
-              <a:t>2020/12/27</a:t>
+              <a:t>2020/12/28</a:t>
             </a:fld>
             <a:endParaRPr lang="zh-TW" altLang="en-US"/>
           </a:p>
@@ -5453,28 +5463,28 @@
     </p:spTree>
     <p:extLst>
       <p:ext uri="{BB962C8B-B14F-4D97-AF65-F5344CB8AC3E}">
-        <p14:creationId xmlns:p14="http://schemas.microsoft.com/office/powerpoint/2010/main" val="3857928145"/>
+        <p14:creationId xmlns:p14="http://schemas.microsoft.com/office/powerpoint/2010/main" val="1074456864"/>
       </p:ext>
     </p:extLst>
   </p:cSld>
   <p:clrMap bg1="lt1" tx1="dk1" bg2="lt2" tx2="dk2" accent1="accent1" accent2="accent2" accent3="accent3" accent4="accent4" accent5="accent5" accent6="accent6" hlink="hlink" folHlink="folHlink"/>
   <p:sldLayoutIdLst>
-    <p:sldLayoutId id="2147483725" r:id="rId1"/>
-    <p:sldLayoutId id="2147483726" r:id="rId2"/>
-    <p:sldLayoutId id="2147483727" r:id="rId3"/>
-    <p:sldLayoutId id="2147483728" r:id="rId4"/>
-    <p:sldLayoutId id="2147483729" r:id="rId5"/>
-    <p:sldLayoutId id="2147483730" r:id="rId6"/>
-    <p:sldLayoutId id="2147483731" r:id="rId7"/>
-    <p:sldLayoutId id="2147483732" r:id="rId8"/>
-    <p:sldLayoutId id="2147483733" r:id="rId9"/>
-    <p:sldLayoutId id="2147483734" r:id="rId10"/>
-    <p:sldLayoutId id="2147483735" r:id="rId11"/>
-    <p:sldLayoutId id="2147483736" r:id="rId12"/>
-    <p:sldLayoutId id="2147483737" r:id="rId13"/>
-    <p:sldLayoutId id="2147483738" r:id="rId14"/>
-    <p:sldLayoutId id="2147483739" r:id="rId15"/>
-    <p:sldLayoutId id="2147483740" r:id="rId16"/>
+    <p:sldLayoutId id="2147483742" r:id="rId1"/>
+    <p:sldLayoutId id="2147483743" r:id="rId2"/>
+    <p:sldLayoutId id="2147483744" r:id="rId3"/>
+    <p:sldLayoutId id="2147483745" r:id="rId4"/>
+    <p:sldLayoutId id="2147483746" r:id="rId5"/>
+    <p:sldLayoutId id="2147483747" r:id="rId6"/>
+    <p:sldLayoutId id="2147483748" r:id="rId7"/>
+    <p:sldLayoutId id="2147483749" r:id="rId8"/>
+    <p:sldLayoutId id="2147483750" r:id="rId9"/>
+    <p:sldLayoutId id="2147483751" r:id="rId10"/>
+    <p:sldLayoutId id="2147483752" r:id="rId11"/>
+    <p:sldLayoutId id="2147483753" r:id="rId12"/>
+    <p:sldLayoutId id="2147483754" r:id="rId13"/>
+    <p:sldLayoutId id="2147483755" r:id="rId14"/>
+    <p:sldLayoutId id="2147483756" r:id="rId15"/>
+    <p:sldLayoutId id="2147483757" r:id="rId16"/>
   </p:sldLayoutIdLst>
   <p:txStyles>
     <p:titleStyle>
@@ -5485,7 +5495,7 @@
         <a:buNone/>
         <a:defRPr sz="3600" kern="1200">
           <a:solidFill>
-            <a:schemeClr val="accent1"/>
+            <a:srgbClr val="0070C0"/>
           </a:solidFill>
           <a:latin typeface="+mj-lt"/>
           <a:ea typeface="+mj-ea"/>
@@ -5903,15 +5913,7 @@
           <a:p>
             <a:r>
               <a:rPr lang="zh-TW" altLang="en-US" dirty="0" smtClean="0"/>
-              <a:t>關於</a:t>
-            </a:r>
-            <a:r>
-              <a:rPr lang="zh-TW" altLang="en-US" dirty="0" smtClean="0"/>
-              <a:t>運算</a:t>
-            </a:r>
-            <a:r>
-              <a:rPr lang="zh-TW" altLang="en-US" dirty="0" smtClean="0"/>
-              <a:t>思維</a:t>
+              <a:t>關於運算思維</a:t>
             </a:r>
             <a:endParaRPr lang="zh-TW" altLang="en-US" dirty="0"/>
           </a:p>
@@ -5951,7 +5953,7 @@
             <a:pPr algn="r"/>
             <a:fld id="{DA74FC97-8647-474D-B375-8E81E8B358FB}" type="datetime4">
               <a:rPr lang="zh-TW" altLang="zh-TW"/>
-              <a:t>109年12月27日星期日</a:t>
+              <a:t>109年12月28日星期一</a:t>
             </a:fld>
             <a:endParaRPr lang="zh-TW" altLang="en-US" dirty="0"/>
           </a:p>
@@ -6409,11 +6411,7 @@
           <a:p>
             <a:r>
               <a:rPr lang="zh-TW" altLang="en-US" dirty="0" smtClean="0"/>
-              <a:t>練習一流程圖</a:t>
-            </a:r>
-            <a:r>
-              <a:rPr lang="zh-TW" altLang="en-US" dirty="0" smtClean="0"/>
-              <a:t>的畫法如右。</a:t>
+              <a:t>練習一流程圖的畫法如右。</a:t>
             </a:r>
             <a:endParaRPr lang="zh-TW" altLang="en-US" dirty="0"/>
           </a:p>
@@ -18189,28 +18187,28 @@
         <a:srgbClr val="EBEBEB"/>
       </a:lt2>
       <a:accent1>
-        <a:srgbClr val="90C226"/>
+        <a:srgbClr val="5FCBEF"/>
       </a:accent1>
       <a:accent2>
-        <a:srgbClr val="54A021"/>
+        <a:srgbClr val="2E83C3"/>
       </a:accent2>
       <a:accent3>
-        <a:srgbClr val="E6B91E"/>
+        <a:srgbClr val="42D0A2"/>
       </a:accent3>
       <a:accent4>
-        <a:srgbClr val="E76618"/>
+        <a:srgbClr val="2E946B"/>
       </a:accent4>
       <a:accent5>
-        <a:srgbClr val="C42F1A"/>
+        <a:srgbClr val="42B051"/>
       </a:accent5>
       <a:accent6>
-        <a:srgbClr val="918655"/>
+        <a:srgbClr val="96D141"/>
       </a:accent6>
       <a:hlink>
-        <a:srgbClr val="99CA3C"/>
+        <a:srgbClr val="3FCDE7"/>
       </a:hlink>
       <a:folHlink>
-        <a:srgbClr val="B9D181"/>
+        <a:srgbClr val="A9D3E1"/>
       </a:folHlink>
     </a:clrScheme>
     <a:fontScheme name="多面向">
@@ -18423,7 +18421,7 @@
   <a:extraClrSchemeLst/>
   <a:extLst>
     <a:ext uri="{05A4C25C-085E-4340-85A3-A5531E510DB2}">
-      <thm15:themeFamily xmlns:thm15="http://schemas.microsoft.com/office/thememl/2012/main" name="Facet" id="{C0C680CD-088A-49FC-A102-D699147F32B2}" vid="{CFBC31BA-B70F-4F30-BCAA-4F3011E16C4D}"/>
+      <thm15:themeFamily xmlns:thm15="http://schemas.microsoft.com/office/thememl/2012/main" name="Facet" id="{C0C680CD-088A-49FC-A102-D699147F32B2}" vid="{0B5AB586-D108-4FC1-8368-649FE654B894}"/>
     </a:ext>
   </a:extLst>
 </a:theme>
